--- a/OliveMcKenziePresentation.pptx
+++ b/OliveMcKenziePresentation.pptx
@@ -11358,7 +11358,7 @@
         <p:spPr>
           <a:xfrm>
             <a:off x="19485259" y="3368843"/>
-            <a:ext cx="3940595" cy="5799220"/>
+            <a:ext cx="3940595" cy="5678904"/>
           </a:xfrm>
           <a:prstGeom prst="rect">
             <a:avLst/>
@@ -11674,7 +11674,7 @@
         <p:spPr>
           <a:xfrm>
             <a:off x="843349" y="3175300"/>
-            <a:ext cx="22955113" cy="10083500"/>
+            <a:ext cx="22955113" cy="9838724"/>
           </a:xfrm>
           <a:prstGeom prst="rect">
             <a:avLst/>
@@ -11690,20 +11690,25 @@
           </a:bodyPr>
           <a:lstStyle/>
           <a:p>
+            <a:endParaRPr lang="en-GB" sz="4400" dirty="0">
+              <a:latin typeface="Montserrat" panose="00000500000000000000" pitchFamily="2" charset="0"/>
+            </a:endParaRPr>
+          </a:p>
+          <a:p>
             <a:r>
               <a:rPr lang="en-GB" sz="4400" dirty="0">
                 <a:latin typeface="Montserrat" panose="00000500000000000000" pitchFamily="2" charset="0"/>
               </a:rPr>
-              <a:t>Tech allows me to express the many facets of my character which includes creativity, analytical, adaptability, attention to detail,  team player, curious, and the ability to work under pressure.</a:t>
+              <a:t>Tech allows me to express the many facets of my character which includes creativity, analytical, adaptability, attention to detail,  a team player, curiosity, and the ability to work under pressure.</a:t>
             </a:r>
           </a:p>
           <a:p>
-            <a:endParaRPr lang="en-GB" sz="5400" dirty="0">
+            <a:endParaRPr lang="en-GB" sz="4000" dirty="0">
               <a:latin typeface="Montserrat" panose="00000500000000000000" pitchFamily="2" charset="0"/>
             </a:endParaRPr>
           </a:p>
           <a:p>
-            <a:pPr marL="1371600" marR="0" lvl="0" indent="-501650" rtl="0">
+            <a:pPr marL="1441450" marR="0" lvl="0" indent="-571500" rtl="0">
               <a:lnSpc>
                 <a:spcPct val="115000"/>
               </a:lnSpc>
@@ -11717,8 +11722,8 @@
                 <a:schemeClr val="dk1"/>
               </a:buClr>
               <a:buSzPts val="4300"/>
-              <a:buFont typeface="Montserrat"/>
-              <a:buChar char="●"/>
+              <a:buFont typeface="Arial" panose="020B0604020202020204" pitchFamily="34" charset="0"/>
+              <a:buChar char="•"/>
             </a:pPr>
             <a:r>
               <a:rPr lang="en-GB" sz="4400" b="0" i="0" u="none" strike="noStrike" cap="none" dirty="0">
@@ -11753,7 +11758,7 @@
                 <a:cs typeface="Montserrat"/>
                 <a:sym typeface="Montserrat"/>
               </a:rPr>
-              <a:t>        -  </a:t>
+              <a:t>        - </a:t>
             </a:r>
             <a:r>
               <a:rPr lang="en-GB" sz="4400" b="0" i="0" u="none" strike="noStrike" cap="none" dirty="0">
@@ -11788,7 +11793,7 @@
                 <a:cs typeface="Montserrat"/>
                 <a:sym typeface="Montserrat"/>
               </a:rPr>
-              <a:t>		   - learning new skills</a:t>
+              <a:t>		 - learning new skills</a:t>
             </a:r>
           </a:p>
           <a:p>
@@ -11802,7 +11807,7 @@
               <a:buSzPts val="4300"/>
             </a:pPr>
             <a:r>
-              <a:rPr lang="en-GB" sz="4400" b="0" i="0" u="none" strike="noStrike" cap="none" dirty="0">
+              <a:rPr lang="en-GB" sz="4400" dirty="0">
                 <a:solidFill>
                   <a:schemeClr val="dk1"/>
                 </a:solidFill>
@@ -11811,10 +11816,21 @@
                 <a:cs typeface="Montserrat"/>
                 <a:sym typeface="Montserrat"/>
               </a:rPr>
-              <a:t>		   </a:t>
+              <a:t>		 - continuous learning</a:t>
             </a:r>
+          </a:p>
+          <a:p>
+            <a:pPr marL="869950" lvl="3">
+              <a:lnSpc>
+                <a:spcPct val="115000"/>
+              </a:lnSpc>
+              <a:buClr>
+                <a:schemeClr val="dk1"/>
+              </a:buClr>
+              <a:buSzPts val="4300"/>
+            </a:pPr>
             <a:r>
-              <a:rPr lang="en-GB" sz="4400" dirty="0">
+              <a:rPr lang="en-GB" sz="4400" b="0" i="0" u="none" strike="noStrike" cap="none" dirty="0">
                 <a:solidFill>
                   <a:schemeClr val="dk1"/>
                 </a:solidFill>
@@ -11823,21 +11839,10 @@
                 <a:cs typeface="Montserrat"/>
                 <a:sym typeface="Montserrat"/>
               </a:rPr>
-              <a:t>- the wide variety of applications to which Tech is applied</a:t>
+              <a:t>		 </a:t>
             </a:r>
-          </a:p>
-          <a:p>
-            <a:pPr marL="869950" lvl="3">
-              <a:lnSpc>
-                <a:spcPct val="115000"/>
-              </a:lnSpc>
-              <a:buClr>
-                <a:schemeClr val="dk1"/>
-              </a:buClr>
-              <a:buSzPts val="4300"/>
-            </a:pPr>
             <a:r>
-              <a:rPr lang="en-GB" sz="4400" b="0" i="0" u="none" strike="noStrike" cap="none" dirty="0">
+              <a:rPr lang="en-GB" sz="4400" dirty="0">
                 <a:solidFill>
                   <a:schemeClr val="dk1"/>
                 </a:solidFill>
@@ -11846,10 +11851,10 @@
                 <a:cs typeface="Montserrat"/>
                 <a:sym typeface="Montserrat"/>
               </a:rPr>
-              <a:t>		</a:t>
+              <a:t>- change</a:t>
             </a:r>
             <a:r>
-              <a:rPr lang="en-GB" sz="4400" dirty="0">
+              <a:rPr lang="en-GB" sz="4400" b="0" i="0" u="none" strike="noStrike" cap="none" dirty="0">
                 <a:solidFill>
                   <a:schemeClr val="dk1"/>
                 </a:solidFill>
@@ -11858,7 +11863,7 @@
                 <a:cs typeface="Montserrat"/>
                 <a:sym typeface="Montserrat"/>
               </a:rPr>
-              <a:t>   - continuous learning</a:t>
+              <a:t> </a:t>
             </a:r>
           </a:p>
           <a:p>
@@ -11870,6 +11875,28 @@
                 <a:schemeClr val="dk1"/>
               </a:buClr>
               <a:buSzPts val="4300"/>
+            </a:pPr>
+            <a:endParaRPr lang="en-GB" sz="4400" dirty="0">
+              <a:solidFill>
+                <a:schemeClr val="dk1"/>
+              </a:solidFill>
+              <a:latin typeface="Montserrat"/>
+              <a:ea typeface="Montserrat"/>
+              <a:cs typeface="Montserrat"/>
+              <a:sym typeface="Montserrat"/>
+            </a:endParaRPr>
+          </a:p>
+          <a:p>
+            <a:pPr marL="1441450" lvl="3" indent="-571500">
+              <a:lnSpc>
+                <a:spcPct val="115000"/>
+              </a:lnSpc>
+              <a:buClr>
+                <a:schemeClr val="dk1"/>
+              </a:buClr>
+              <a:buSzPts val="4300"/>
+              <a:buFont typeface="Arial" panose="020B0604020202020204" pitchFamily="34" charset="0"/>
+              <a:buChar char="•"/>
             </a:pPr>
             <a:r>
               <a:rPr lang="en-GB" sz="4400" dirty="0">
@@ -11881,29 +11908,23 @@
                 <a:cs typeface="Montserrat"/>
                 <a:sym typeface="Montserrat"/>
               </a:rPr>
-              <a:t>		   - change</a:t>
+              <a:t>I like wide variety of applications to which Tech is applied</a:t>
             </a:r>
           </a:p>
           <a:p>
-            <a:pPr marL="1371600" marR="0" lvl="0" indent="-501650" rtl="0">
+            <a:pPr marL="1441450" lvl="3" indent="-571500">
               <a:lnSpc>
                 <a:spcPct val="115000"/>
               </a:lnSpc>
-              <a:spcBef>
-                <a:spcPts val="0"/>
-              </a:spcBef>
-              <a:spcAft>
-                <a:spcPts val="0"/>
-              </a:spcAft>
               <a:buClr>
                 <a:schemeClr val="dk1"/>
               </a:buClr>
               <a:buSzPts val="4300"/>
-              <a:buFont typeface="Montserrat"/>
-              <a:buChar char="●"/>
+              <a:buFont typeface="Arial" panose="020B0604020202020204" pitchFamily="34" charset="0"/>
+              <a:buChar char="•"/>
             </a:pPr>
             <a:r>
-              <a:rPr lang="en-GB" sz="4800" b="0" i="0" u="none" strike="noStrike" cap="none" dirty="0">
+              <a:rPr lang="en-GB" sz="4400" b="0" i="0" u="none" strike="noStrike" cap="none" dirty="0">
                 <a:solidFill>
                   <a:schemeClr val="dk1"/>
                 </a:solidFill>
@@ -11915,7 +11936,7 @@
               <a:t>Employment	 opportunities</a:t>
             </a:r>
             <a:r>
-              <a:rPr lang="en-GB" sz="5400" b="0" i="0" u="none" strike="noStrike" cap="none" dirty="0">
+              <a:rPr lang="en-GB" sz="4800" b="0" i="0" u="none" strike="noStrike" cap="none" dirty="0">
                 <a:solidFill>
                   <a:schemeClr val="dk1"/>
                 </a:solidFill>
@@ -11924,7 +11945,30 @@
                 <a:cs typeface="Montserrat"/>
                 <a:sym typeface="Montserrat"/>
               </a:rPr>
-              <a:t>		</a:t>
+              <a:t>	</a:t>
+            </a:r>
+          </a:p>
+          <a:p>
+            <a:pPr marL="869950" lvl="3">
+              <a:lnSpc>
+                <a:spcPct val="115000"/>
+              </a:lnSpc>
+              <a:buClr>
+                <a:schemeClr val="dk1"/>
+              </a:buClr>
+              <a:buSzPts val="4300"/>
+            </a:pPr>
+            <a:r>
+              <a:rPr lang="en-GB" sz="5400" b="0" i="0" u="none" strike="noStrike" cap="none" dirty="0">
+                <a:solidFill>
+                  <a:schemeClr val="dk1"/>
+                </a:solidFill>
+                <a:latin typeface="Montserrat"/>
+                <a:ea typeface="Montserrat"/>
+                <a:cs typeface="Montserrat"/>
+                <a:sym typeface="Montserrat"/>
+              </a:rPr>
+              <a:t>	</a:t>
             </a:r>
             <a:endParaRPr lang="en-GB" sz="5400" dirty="0">
               <a:latin typeface="Montserrat" panose="00000500000000000000" pitchFamily="2" charset="0"/>
@@ -13455,8 +13499,8 @@
         </p:nvSpPr>
         <p:spPr>
           <a:xfrm>
-            <a:off x="1" y="1564105"/>
-            <a:ext cx="24326712" cy="11742821"/>
+            <a:off x="1" y="1467853"/>
+            <a:ext cx="24326712" cy="11839073"/>
           </a:xfrm>
           <a:prstGeom prst="rect">
             <a:avLst/>
@@ -13688,6 +13732,34 @@
               <a:buFont typeface="Arial"/>
               <a:buNone/>
             </a:pPr>
+            <a:endParaRPr lang="en-GB" sz="2800" b="1" dirty="0">
+              <a:solidFill>
+                <a:schemeClr val="dk1"/>
+              </a:solidFill>
+              <a:latin typeface="Montserrat"/>
+              <a:ea typeface="Montserrat"/>
+              <a:cs typeface="Montserrat"/>
+              <a:sym typeface="Montserrat"/>
+            </a:endParaRPr>
+          </a:p>
+          <a:p>
+            <a:pPr marL="457200" marR="0" lvl="0" indent="0" algn="l" rtl="0">
+              <a:lnSpc>
+                <a:spcPct val="115000"/>
+              </a:lnSpc>
+              <a:spcBef>
+                <a:spcPts val="0"/>
+              </a:spcBef>
+              <a:spcAft>
+                <a:spcPts val="0"/>
+              </a:spcAft>
+              <a:buClr>
+                <a:srgbClr val="000000"/>
+              </a:buClr>
+              <a:buSzPts val="4300"/>
+              <a:buFont typeface="Arial"/>
+              <a:buNone/>
+            </a:pPr>
             <a:r>
               <a:rPr lang="en-GB" sz="2800" b="1" dirty="0">
                 <a:solidFill>
@@ -13747,7 +13819,7 @@
                 <a:cs typeface="Montserrat"/>
                 <a:sym typeface="Montserrat"/>
               </a:rPr>
-              <a:t>HTML (Hyper Text Markup Language)</a:t>
+              <a:t>HTML 5(Hyper Text Markup Language)</a:t>
             </a:r>
             <a:r>
               <a:rPr lang="en-GB" sz="2800" dirty="0">
@@ -13830,7 +13902,7 @@
                 <a:cs typeface="Montserrat"/>
                 <a:sym typeface="Montserrat"/>
               </a:rPr>
-              <a:t> for  styling the GUI </a:t>
+              <a:t> for  styling the GUI .</a:t>
             </a:r>
           </a:p>
           <a:p>
@@ -13932,7 +14004,7 @@
                 <a:cs typeface="Montserrat"/>
                 <a:sym typeface="Montserrat"/>
               </a:rPr>
-              <a:t>for storage , deletion, editing and retrieval</a:t>
+              <a:t>for storage , deletion, editing and retrieval of task data.</a:t>
             </a:r>
           </a:p>
           <a:p>
@@ -14003,7 +14075,7 @@
                 <a:cs typeface="Montserrat"/>
                 <a:sym typeface="Montserrat"/>
               </a:rPr>
-              <a:t>file format in which the task data is stored in a json file</a:t>
+              <a:t>file format in which the task data is stored in a json file.</a:t>
             </a:r>
           </a:p>
           <a:p>
@@ -14074,7 +14146,7 @@
                 <a:cs typeface="Montserrat"/>
                 <a:sym typeface="Montserrat"/>
               </a:rPr>
-              <a:t>for code development, execution and testing.</a:t>
+              <a:t>for code development, execution and testing app.</a:t>
             </a:r>
           </a:p>
           <a:p>
@@ -14438,7 +14510,7 @@
         </p:blipFill>
         <p:spPr>
           <a:xfrm>
-            <a:off x="14732447" y="4548743"/>
+            <a:off x="12066832" y="4606234"/>
             <a:ext cx="1688935" cy="1393154"/>
           </a:xfrm>
           <a:prstGeom prst="rect">
@@ -14468,7 +14540,7 @@
         </p:blipFill>
         <p:spPr>
           <a:xfrm>
-            <a:off x="10114323" y="4226854"/>
+            <a:off x="4412455" y="4301291"/>
             <a:ext cx="1943100" cy="1828800"/>
           </a:xfrm>
           <a:prstGeom prst="rect">
@@ -14498,7 +14570,7 @@
         </p:blipFill>
         <p:spPr>
           <a:xfrm>
-            <a:off x="5842173" y="4226854"/>
+            <a:off x="983236" y="4479823"/>
             <a:ext cx="1656011" cy="1857722"/>
           </a:xfrm>
           <a:prstGeom prst="rect">
@@ -14535,7 +14607,7 @@
         </p:blipFill>
         <p:spPr bwMode="auto">
           <a:xfrm>
-            <a:off x="12124355" y="4171300"/>
+            <a:off x="7855794" y="4337849"/>
             <a:ext cx="2197430" cy="1828800"/>
           </a:xfrm>
           <a:prstGeom prst="rect">
@@ -14648,7 +14720,7 @@
         </p:blipFill>
         <p:spPr>
           <a:xfrm>
-            <a:off x="8239189" y="4171300"/>
+            <a:off x="15538350" y="4170588"/>
             <a:ext cx="1943100" cy="1828800"/>
           </a:xfrm>
           <a:prstGeom prst="rect">
@@ -14678,7 +14750,7 @@
         </p:blipFill>
         <p:spPr>
           <a:xfrm>
-            <a:off x="17058012" y="4508536"/>
+            <a:off x="19404246" y="4479823"/>
             <a:ext cx="1688936" cy="1210330"/>
           </a:xfrm>
           <a:prstGeom prst="rect">
@@ -17136,8 +17208,8 @@
         </p:nvSpPr>
         <p:spPr>
           <a:xfrm>
-            <a:off x="843349" y="3175300"/>
-            <a:ext cx="22906987" cy="10348800"/>
+            <a:off x="385009" y="3175300"/>
+            <a:ext cx="23485644" cy="10348800"/>
           </a:xfrm>
           <a:prstGeom prst="rect">
             <a:avLst/>
@@ -17188,7 +17260,7 @@
               <a:buSzPts val="4300"/>
             </a:pPr>
             <a:r>
-              <a:rPr lang="en-US" sz="4400" dirty="0">
+              <a:rPr lang="en-US" sz="4000" dirty="0">
                 <a:solidFill>
                   <a:schemeClr val="dk1"/>
                 </a:solidFill>
@@ -17207,7 +17279,7 @@
               </a:lnSpc>
               <a:buSzPts val="4300"/>
             </a:pPr>
-            <a:endParaRPr lang="en-US" sz="4400" i="0" u="none" strike="noStrike" cap="none" dirty="0">
+            <a:endParaRPr lang="en-US" sz="4000" i="0" u="none" strike="noStrike" cap="none" dirty="0">
               <a:solidFill>
                 <a:schemeClr val="dk1"/>
               </a:solidFill>
@@ -17225,7 +17297,7 @@
               <a:buSzPts val="4300"/>
             </a:pPr>
             <a:r>
-              <a:rPr lang="en-US" sz="4400" i="0" u="none" strike="noStrike" cap="none" dirty="0">
+              <a:rPr lang="en-US" sz="4000" i="0" u="none" strike="noStrike" cap="none" dirty="0">
                 <a:solidFill>
                   <a:schemeClr val="dk1"/>
                 </a:solidFill>
@@ -17237,7 +17309,7 @@
               <a:t>The </a:t>
             </a:r>
             <a:r>
-              <a:rPr lang="en-US" sz="4400" dirty="0">
+              <a:rPr lang="en-US" sz="4000" dirty="0">
                 <a:solidFill>
                   <a:schemeClr val="dk1"/>
                 </a:solidFill>
@@ -17249,7 +17321,7 @@
               <a:t>B</a:t>
             </a:r>
             <a:r>
-              <a:rPr lang="en-US" sz="4400" i="0" u="none" strike="noStrike" cap="none" dirty="0">
+              <a:rPr lang="en-US" sz="4000" i="0" u="none" strike="noStrike" cap="none" dirty="0">
                 <a:solidFill>
                   <a:schemeClr val="dk1"/>
                 </a:solidFill>
@@ -17258,9 +17330,9 @@
                 <a:cs typeface="Montserrat"/>
                 <a:sym typeface="Montserrat"/>
               </a:rPr>
-              <a:t>ootcamp has opened my appetite for continuous development and improved my knowledge in some areas and others given me new knowledge</a:t>
+              <a:t>ootcamp has opened my appetite for continuous development and improved my knowledge in some areas and in others I have acquired new knowledge.</a:t>
             </a:r>
-            <a:endParaRPr lang="en-GB" sz="4400" dirty="0">
+            <a:endParaRPr lang="en-GB" sz="4000" dirty="0">
               <a:latin typeface="Montserrat" panose="00000500000000000000" pitchFamily="2" charset="0"/>
             </a:endParaRPr>
           </a:p>
@@ -17271,7 +17343,7 @@
               </a:lnSpc>
               <a:buSzPts val="4300"/>
             </a:pPr>
-            <a:endParaRPr lang="en-US" sz="4400" dirty="0">
+            <a:endParaRPr lang="en-US" sz="4000" dirty="0">
               <a:solidFill>
                 <a:schemeClr val="dk1"/>
               </a:solidFill>
@@ -17289,7 +17361,7 @@
               <a:buSzPts val="4300"/>
             </a:pPr>
             <a:r>
-              <a:rPr lang="en-US" sz="4400" dirty="0">
+              <a:rPr lang="en-US" sz="4000" dirty="0">
                 <a:solidFill>
                   <a:schemeClr val="dk1"/>
                 </a:solidFill>
@@ -17308,7 +17380,7 @@
               </a:lnSpc>
               <a:buSzPts val="4300"/>
             </a:pPr>
-            <a:endParaRPr lang="en-US" sz="4400" b="1" dirty="0">
+            <a:endParaRPr lang="en-US" sz="4000" b="1" dirty="0">
               <a:solidFill>
                 <a:schemeClr val="dk1"/>
               </a:solidFill>
@@ -17326,7 +17398,7 @@
               <a:buSzPts val="4300"/>
             </a:pPr>
             <a:r>
-              <a:rPr lang="en-GB" sz="4400" dirty="0">
+              <a:rPr lang="en-GB" sz="4000" dirty="0">
                 <a:latin typeface="Montserrat" panose="00000500000000000000" pitchFamily="2" charset="0"/>
               </a:rPr>
               <a:t>I am open to a wide area of fields in IT, but I do have a special interest in artificial intelligence and embedded software development.</a:t>
